--- a/Angular2.pptx
+++ b/Angular2.pptx
@@ -248,7 +248,7 @@
           <a:p>
             <a:fld id="{6848C585-BF4F-4A51-B926-B9EBAB7722D4}" type="datetimeFigureOut">
               <a:rPr lang="nl-NL" smtClean="0"/>
-              <a:t>13-3-2017</a:t>
+              <a:t>16-3-2017</a:t>
             </a:fld>
             <a:endParaRPr lang="nl-NL"/>
           </a:p>
@@ -8361,7 +8361,7 @@
           <a:p>
             <a:fld id="{9379F80A-5E69-4003-A4CA-EECDF3CD699D}" type="datetimeFigureOut">
               <a:rPr lang="nl-NL" smtClean="0"/>
-              <a:t>13-3-2017</a:t>
+              <a:t>16-3-2017</a:t>
             </a:fld>
             <a:endParaRPr lang="nl-NL"/>
           </a:p>
@@ -8531,7 +8531,7 @@
           <a:p>
             <a:fld id="{9379F80A-5E69-4003-A4CA-EECDF3CD699D}" type="datetimeFigureOut">
               <a:rPr lang="nl-NL" smtClean="0"/>
-              <a:t>13-3-2017</a:t>
+              <a:t>16-3-2017</a:t>
             </a:fld>
             <a:endParaRPr lang="nl-NL"/>
           </a:p>
@@ -8711,7 +8711,7 @@
           <a:p>
             <a:fld id="{9379F80A-5E69-4003-A4CA-EECDF3CD699D}" type="datetimeFigureOut">
               <a:rPr lang="nl-NL" smtClean="0"/>
-              <a:t>13-3-2017</a:t>
+              <a:t>16-3-2017</a:t>
             </a:fld>
             <a:endParaRPr lang="nl-NL"/>
           </a:p>
@@ -8881,7 +8881,7 @@
           <a:p>
             <a:fld id="{9379F80A-5E69-4003-A4CA-EECDF3CD699D}" type="datetimeFigureOut">
               <a:rPr lang="nl-NL" smtClean="0"/>
-              <a:t>13-3-2017</a:t>
+              <a:t>16-3-2017</a:t>
             </a:fld>
             <a:endParaRPr lang="nl-NL"/>
           </a:p>
@@ -9127,7 +9127,7 @@
           <a:p>
             <a:fld id="{9379F80A-5E69-4003-A4CA-EECDF3CD699D}" type="datetimeFigureOut">
               <a:rPr lang="nl-NL" smtClean="0"/>
-              <a:t>13-3-2017</a:t>
+              <a:t>16-3-2017</a:t>
             </a:fld>
             <a:endParaRPr lang="nl-NL"/>
           </a:p>
@@ -9359,7 +9359,7 @@
           <a:p>
             <a:fld id="{9379F80A-5E69-4003-A4CA-EECDF3CD699D}" type="datetimeFigureOut">
               <a:rPr lang="nl-NL" smtClean="0"/>
-              <a:t>13-3-2017</a:t>
+              <a:t>16-3-2017</a:t>
             </a:fld>
             <a:endParaRPr lang="nl-NL"/>
           </a:p>
@@ -9726,7 +9726,7 @@
           <a:p>
             <a:fld id="{9379F80A-5E69-4003-A4CA-EECDF3CD699D}" type="datetimeFigureOut">
               <a:rPr lang="nl-NL" smtClean="0"/>
-              <a:t>13-3-2017</a:t>
+              <a:t>16-3-2017</a:t>
             </a:fld>
             <a:endParaRPr lang="nl-NL"/>
           </a:p>
@@ -9844,7 +9844,7 @@
           <a:p>
             <a:fld id="{9379F80A-5E69-4003-A4CA-EECDF3CD699D}" type="datetimeFigureOut">
               <a:rPr lang="nl-NL" smtClean="0"/>
-              <a:t>13-3-2017</a:t>
+              <a:t>16-3-2017</a:t>
             </a:fld>
             <a:endParaRPr lang="nl-NL"/>
           </a:p>
@@ -9939,7 +9939,7 @@
           <a:p>
             <a:fld id="{9379F80A-5E69-4003-A4CA-EECDF3CD699D}" type="datetimeFigureOut">
               <a:rPr lang="nl-NL" smtClean="0"/>
-              <a:t>13-3-2017</a:t>
+              <a:t>16-3-2017</a:t>
             </a:fld>
             <a:endParaRPr lang="nl-NL"/>
           </a:p>
@@ -10216,7 +10216,7 @@
           <a:p>
             <a:fld id="{9379F80A-5E69-4003-A4CA-EECDF3CD699D}" type="datetimeFigureOut">
               <a:rPr lang="nl-NL" smtClean="0"/>
-              <a:t>13-3-2017</a:t>
+              <a:t>16-3-2017</a:t>
             </a:fld>
             <a:endParaRPr lang="nl-NL"/>
           </a:p>
@@ -10469,7 +10469,7 @@
           <a:p>
             <a:fld id="{9379F80A-5E69-4003-A4CA-EECDF3CD699D}" type="datetimeFigureOut">
               <a:rPr lang="nl-NL" smtClean="0"/>
-              <a:t>13-3-2017</a:t>
+              <a:t>16-3-2017</a:t>
             </a:fld>
             <a:endParaRPr lang="nl-NL"/>
           </a:p>
@@ -10710,7 +10710,7 @@
           <a:p>
             <a:fld id="{9379F80A-5E69-4003-A4CA-EECDF3CD699D}" type="datetimeFigureOut">
               <a:rPr lang="nl-NL" smtClean="0"/>
-              <a:t>13-3-2017</a:t>
+              <a:t>16-3-2017</a:t>
             </a:fld>
             <a:endParaRPr lang="nl-NL"/>
           </a:p>
@@ -16557,8 +16557,8 @@
         </p:nvSpPr>
         <p:spPr bwMode="auto">
           <a:xfrm>
-            <a:off x="1210541" y="1969969"/>
-            <a:ext cx="9770918" cy="4062651"/>
+            <a:off x="593124" y="1700530"/>
+            <a:ext cx="11232291" cy="4124206"/>
           </a:xfrm>
           <a:prstGeom prst="rect">
             <a:avLst/>
@@ -16740,11 +16740,35 @@
               <a:buNone/>
             </a:pPr>
             <a:r>
-              <a:rPr lang="en-US" altLang="nl-NL" sz="2400" dirty="0">
+              <a:rPr lang="en-US" altLang="nl-NL" sz="2400" dirty="0" smtClean="0">
                 <a:latin typeface="+mn-lt"/>
               </a:rPr>
-              <a:t>You can find the repo on GitHub</a:t>
-            </a:r>
+              <a:t>Download:  </a:t>
+            </a:r>
+            <a:r>
+              <a:rPr lang="en-US" altLang="nl-NL" b="1" dirty="0" smtClean="0">
+                <a:solidFill>
+                  <a:srgbClr val="FF0000"/>
+                </a:solidFill>
+                <a:latin typeface="+mn-lt"/>
+              </a:rPr>
+              <a:t>https</a:t>
+            </a:r>
+            <a:r>
+              <a:rPr lang="en-US" altLang="nl-NL" b="1" dirty="0" smtClean="0">
+                <a:solidFill>
+                  <a:srgbClr val="FF0000"/>
+                </a:solidFill>
+                <a:latin typeface="+mn-lt"/>
+              </a:rPr>
+              <a:t>://github.com/petereijgermans11/hackjam-angular</a:t>
+            </a:r>
+            <a:endParaRPr lang="en-US" altLang="nl-NL" b="1" dirty="0">
+              <a:solidFill>
+                <a:srgbClr val="FF0000"/>
+              </a:solidFill>
+              <a:latin typeface="+mn-lt"/>
+            </a:endParaRPr>
           </a:p>
           <a:p>
             <a:pPr marL="0" lvl="0" indent="0">
@@ -16753,7 +16777,7 @@
               </a:lnSpc>
               <a:buNone/>
             </a:pPr>
-            <a:endParaRPr lang="en-US" altLang="nl-NL" sz="2400" dirty="0">
+            <a:endParaRPr lang="en-US" altLang="nl-NL" sz="2400" b="1" dirty="0">
               <a:latin typeface="+mn-lt"/>
             </a:endParaRPr>
           </a:p>
@@ -16768,29 +16792,86 @@
               <a:rPr lang="en-US" altLang="nl-NL" sz="2400" dirty="0">
                 <a:latin typeface="+mn-lt"/>
               </a:rPr>
-              <a:t>Clone it: </a:t>
+              <a:t>Install Angular </a:t>
             </a:r>
             <a:r>
               <a:rPr lang="en-US" altLang="nl-NL" sz="2400" dirty="0" smtClean="0">
                 <a:latin typeface="+mn-lt"/>
               </a:rPr>
+              <a:t>CLI:</a:t>
+            </a:r>
+            <a:r>
+              <a:rPr lang="en-US" altLang="nl-NL" sz="2400" b="1" dirty="0" smtClean="0">
+                <a:solidFill>
+                  <a:srgbClr val="C00000"/>
+                </a:solidFill>
+                <a:latin typeface="+mn-lt"/>
+              </a:rPr>
+              <a:t>   </a:t>
+            </a:r>
+            <a:r>
+              <a:rPr lang="en-US" altLang="nl-NL" sz="2400" b="1" dirty="0" err="1" smtClean="0">
+                <a:solidFill>
+                  <a:srgbClr val="C00000"/>
+                </a:solidFill>
+                <a:latin typeface="+mn-lt"/>
+              </a:rPr>
+              <a:t>npm</a:t>
+            </a:r>
+            <a:r>
+              <a:rPr lang="en-US" altLang="nl-NL" sz="2400" b="1" dirty="0" smtClean="0">
+                <a:solidFill>
+                  <a:srgbClr val="C00000"/>
+                </a:solidFill>
+                <a:latin typeface="+mn-lt"/>
+              </a:rPr>
+              <a:t> </a:t>
+            </a:r>
+            <a:r>
+              <a:rPr lang="en-US" altLang="nl-NL" sz="2400" b="1" dirty="0" err="1">
+                <a:solidFill>
+                  <a:srgbClr val="C00000"/>
+                </a:solidFill>
+                <a:latin typeface="+mn-lt"/>
+              </a:rPr>
+              <a:t>i</a:t>
+            </a:r>
+            <a:r>
+              <a:rPr lang="en-US" altLang="nl-NL" sz="2400" b="1" dirty="0">
+                <a:solidFill>
+                  <a:srgbClr val="C00000"/>
+                </a:solidFill>
+                <a:latin typeface="+mn-lt"/>
+              </a:rPr>
+              <a:t> </a:t>
+            </a:r>
+            <a:r>
+              <a:rPr lang="en-US" altLang="nl-NL" sz="2400" b="1" dirty="0" err="1" smtClean="0">
+                <a:solidFill>
+                  <a:srgbClr val="C00000"/>
+                </a:solidFill>
+                <a:latin typeface="+mn-lt"/>
+              </a:rPr>
+              <a:t>angular-cli@latest</a:t>
+            </a:r>
+            <a:r>
+              <a:rPr lang="en-US" altLang="nl-NL" sz="2400" b="1" dirty="0" smtClean="0">
+                <a:solidFill>
+                  <a:srgbClr val="C00000"/>
+                </a:solidFill>
+                <a:latin typeface="+mn-lt"/>
+              </a:rPr>
               <a:t>  </a:t>
             </a:r>
             <a:r>
-              <a:rPr lang="en-US" altLang="nl-NL" sz="2400" b="1" dirty="0" err="1" smtClean="0">
+              <a:rPr lang="en-US" altLang="nl-NL" sz="2400" b="1" dirty="0">
+                <a:solidFill>
+                  <a:srgbClr val="C00000"/>
+                </a:solidFill>
                 <a:latin typeface="+mn-lt"/>
               </a:rPr>
-              <a:t>git</a:t>
-            </a:r>
-            <a:r>
-              <a:rPr lang="en-US" altLang="nl-NL" sz="2400" b="1" dirty="0" smtClean="0">
-                <a:latin typeface="+mn-lt"/>
-              </a:rPr>
-              <a:t> clone https://github.com/petereijgermans11/hackjam-angular</a:t>
-            </a:r>
-            <a:endParaRPr lang="en-US" altLang="nl-NL" sz="2400" b="1" dirty="0">
-              <a:latin typeface="+mn-lt"/>
-            </a:endParaRPr>
+              <a:t>-g</a:t>
+            </a:r>
           </a:p>
           <a:p>
             <a:pPr marL="0" lvl="0" indent="0">
@@ -16799,9 +16880,12 @@
               </a:lnSpc>
               <a:buNone/>
             </a:pPr>
-            <a:endParaRPr lang="en-US" altLang="nl-NL" sz="2400" b="1" dirty="0">
-              <a:latin typeface="+mn-lt"/>
-            </a:endParaRPr>
+            <a:r>
+              <a:rPr lang="en-US" altLang="nl-NL" sz="2400" dirty="0">
+                <a:latin typeface="+mn-lt"/>
+              </a:rPr>
+              <a:t>    </a:t>
+            </a:r>
           </a:p>
           <a:p>
             <a:pPr marL="0" lvl="0" indent="0">
@@ -16814,7 +16898,7 @@
               <a:rPr lang="en-US" altLang="nl-NL" sz="2400" dirty="0">
                 <a:latin typeface="+mn-lt"/>
               </a:rPr>
-              <a:t>Install Angular CLI: </a:t>
+              <a:t>Bootstrap your application: </a:t>
             </a:r>
             <a:r>
               <a:rPr lang="en-US" altLang="nl-NL" sz="2400" dirty="0" smtClean="0">
@@ -16823,67 +16907,37 @@
               <a:t>  </a:t>
             </a:r>
             <a:r>
+              <a:rPr lang="en-US" altLang="nl-NL" sz="2400" dirty="0" smtClean="0">
+                <a:latin typeface="+mn-lt"/>
+              </a:rPr>
+              <a:t>cd  getting-started  </a:t>
+            </a:r>
+            <a:r>
+              <a:rPr lang="en-US" altLang="nl-NL" sz="2400" b="1" dirty="0" err="1" smtClean="0">
+                <a:solidFill>
+                  <a:srgbClr val="FF0000"/>
+                </a:solidFill>
+                <a:latin typeface="+mn-lt"/>
+              </a:rPr>
+              <a:t>npm</a:t>
+            </a:r>
+            <a:r>
               <a:rPr lang="en-US" altLang="nl-NL" sz="2400" b="1" dirty="0" smtClean="0">
                 <a:solidFill>
-                  <a:srgbClr val="C00000"/>
+                  <a:srgbClr val="FF0000"/>
                 </a:solidFill>
                 <a:latin typeface="+mn-lt"/>
               </a:rPr>
-              <a:t>angular-cli: </a:t>
-            </a:r>
-            <a:r>
-              <a:rPr lang="en-US" altLang="nl-NL" sz="2400" b="1" dirty="0" err="1" smtClean="0">
-                <a:solidFill>
-                  <a:srgbClr val="C00000"/>
+              <a:t> </a:t>
+            </a:r>
+            <a:r>
+              <a:rPr lang="en-US" altLang="nl-NL" sz="2400" b="1" dirty="0">
+                <a:solidFill>
+                  <a:srgbClr val="FF0000"/>
                 </a:solidFill>
                 <a:latin typeface="+mn-lt"/>
               </a:rPr>
-              <a:t>npm</a:t>
-            </a:r>
-            <a:r>
-              <a:rPr lang="en-US" altLang="nl-NL" sz="2400" b="1" dirty="0" smtClean="0">
-                <a:solidFill>
-                  <a:srgbClr val="C00000"/>
-                </a:solidFill>
-                <a:latin typeface="+mn-lt"/>
-              </a:rPr>
-              <a:t> </a:t>
-            </a:r>
-            <a:r>
-              <a:rPr lang="en-US" altLang="nl-NL" sz="2400" b="1" dirty="0" err="1">
-                <a:solidFill>
-                  <a:srgbClr val="C00000"/>
-                </a:solidFill>
-                <a:latin typeface="+mn-lt"/>
-              </a:rPr>
-              <a:t>i</a:t>
-            </a:r>
-            <a:r>
-              <a:rPr lang="en-US" altLang="nl-NL" sz="2400" b="1" dirty="0">
-                <a:solidFill>
-                  <a:srgbClr val="C00000"/>
-                </a:solidFill>
-                <a:latin typeface="+mn-lt"/>
-              </a:rPr>
-              <a:t> </a:t>
-            </a:r>
-            <a:r>
-              <a:rPr lang="en-US" altLang="nl-NL" sz="2400" b="1" dirty="0" err="1">
-                <a:solidFill>
-                  <a:srgbClr val="C00000"/>
-                </a:solidFill>
-                <a:latin typeface="+mn-lt"/>
-              </a:rPr>
-              <a:t>angular-cli@latest</a:t>
-            </a:r>
-            <a:r>
-              <a:rPr lang="en-US" altLang="nl-NL" sz="2400" b="1" dirty="0">
-                <a:solidFill>
-                  <a:srgbClr val="C00000"/>
-                </a:solidFill>
-                <a:latin typeface="+mn-lt"/>
-              </a:rPr>
-              <a:t> -g</a:t>
+              <a:t>start</a:t>
             </a:r>
           </a:p>
           <a:p>
@@ -16893,12 +16947,9 @@
               </a:lnSpc>
               <a:buNone/>
             </a:pPr>
-            <a:r>
-              <a:rPr lang="en-US" altLang="nl-NL" sz="2400" dirty="0">
-                <a:latin typeface="+mn-lt"/>
-              </a:rPr>
-              <a:t>    </a:t>
-            </a:r>
+            <a:endParaRPr lang="en-US" altLang="nl-NL" sz="2400" dirty="0" smtClean="0">
+              <a:latin typeface="+mn-lt"/>
+            </a:endParaRPr>
           </a:p>
           <a:p>
             <a:pPr marL="0" lvl="0" indent="0">
@@ -16907,45 +16958,9 @@
               </a:lnSpc>
               <a:buNone/>
             </a:pPr>
-            <a:r>
-              <a:rPr lang="en-US" altLang="nl-NL" sz="2400" dirty="0">
-                <a:latin typeface="+mn-lt"/>
-              </a:rPr>
-              <a:t>Bootstrap your application: </a:t>
-            </a:r>
-            <a:r>
-              <a:rPr lang="en-US" altLang="nl-NL" sz="2400" dirty="0" smtClean="0">
-                <a:latin typeface="+mn-lt"/>
-              </a:rPr>
-              <a:t>  </a:t>
-            </a:r>
-            <a:r>
-              <a:rPr lang="en-US" altLang="nl-NL" sz="2400" b="1" dirty="0" err="1" smtClean="0">
-                <a:solidFill>
-                  <a:srgbClr val="FF0000"/>
-                </a:solidFill>
-                <a:latin typeface="+mn-lt"/>
-              </a:rPr>
-              <a:t>npm</a:t>
-            </a:r>
-            <a:r>
-              <a:rPr lang="en-US" altLang="nl-NL" sz="2400" b="1" dirty="0" smtClean="0">
-                <a:solidFill>
-                  <a:srgbClr val="FF0000"/>
-                </a:solidFill>
-                <a:latin typeface="+mn-lt"/>
-              </a:rPr>
-              <a:t> </a:t>
-            </a:r>
-            <a:r>
-              <a:rPr lang="en-US" altLang="nl-NL" sz="2400" b="1" dirty="0">
-                <a:solidFill>
-                  <a:srgbClr val="FF0000"/>
-                </a:solidFill>
-                <a:latin typeface="+mn-lt"/>
-              </a:rPr>
-              <a:t>start</a:t>
-            </a:r>
+            <a:endParaRPr lang="en-US" altLang="nl-NL" sz="2400" dirty="0" smtClean="0">
+              <a:latin typeface="+mn-lt"/>
+            </a:endParaRPr>
           </a:p>
           <a:p>
             <a:pPr marL="0" lvl="0" indent="0">
@@ -17359,7 +17374,7 @@
         </p:nvSpPr>
         <p:spPr>
           <a:xfrm>
-            <a:off x="1618735" y="1445741"/>
+            <a:off x="1618735" y="1690688"/>
             <a:ext cx="8529975" cy="4478149"/>
           </a:xfrm>
           <a:prstGeom prst="rect">
@@ -17600,15 +17615,7 @@
                 <a:ea typeface="ＭＳ 明朝"/>
                 <a:cs typeface="Courier"/>
               </a:rPr>
-              <a:t>”&gt;&lt;/input</a:t>
-            </a:r>
-            <a:r>
-              <a:rPr lang="en-US" sz="2400" b="1" dirty="0" smtClean="0">
-                <a:latin typeface="Calibri" panose="020F0502020204030204" pitchFamily="34" charset="0"/>
-                <a:ea typeface="ＭＳ 明朝"/>
-                <a:cs typeface="Courier"/>
-              </a:rPr>
-              <a:t>&gt;</a:t>
+              <a:t>”&gt;&lt;/input&gt;</a:t>
             </a:r>
           </a:p>
           <a:p>
@@ -20279,8 +20286,8 @@
         </p:nvSpPr>
         <p:spPr bwMode="auto">
           <a:xfrm>
-            <a:off x="1210541" y="1969969"/>
-            <a:ext cx="9770918" cy="4062651"/>
+            <a:off x="1210541" y="1723748"/>
+            <a:ext cx="9770918" cy="4555093"/>
           </a:xfrm>
           <a:prstGeom prst="rect">
             <a:avLst/>
@@ -20462,10 +20469,16 @@
               <a:buNone/>
             </a:pPr>
             <a:r>
-              <a:rPr lang="en-US" altLang="nl-NL" sz="2400" dirty="0">
-                <a:latin typeface="+mn-lt"/>
-              </a:rPr>
-              <a:t>You can find the repo on GitHub</a:t>
+              <a:rPr lang="en-US" altLang="nl-NL" sz="2400" dirty="0"/>
+              <a:t>Download:  </a:t>
+            </a:r>
+            <a:r>
+              <a:rPr lang="en-US" altLang="nl-NL" b="1" dirty="0">
+                <a:solidFill>
+                  <a:srgbClr val="FF0000"/>
+                </a:solidFill>
+              </a:rPr>
+              <a:t>https://github.com/petereijgermans11/hackjam-angular</a:t>
             </a:r>
           </a:p>
           <a:p>
@@ -20475,9 +20488,7 @@
               </a:lnSpc>
               <a:buNone/>
             </a:pPr>
-            <a:endParaRPr lang="en-US" altLang="nl-NL" sz="2400" dirty="0">
-              <a:latin typeface="+mn-lt"/>
-            </a:endParaRPr>
+            <a:endParaRPr lang="en-US" altLang="nl-NL" sz="2400" b="1" dirty="0"/>
           </a:p>
           <a:p>
             <a:pPr marL="0" lvl="0" indent="0">
@@ -20487,32 +20498,65 @@
               <a:buNone/>
             </a:pPr>
             <a:r>
-              <a:rPr lang="en-US" altLang="nl-NL" sz="2400" dirty="0">
-                <a:latin typeface="+mn-lt"/>
-              </a:rPr>
-              <a:t>Clone it: </a:t>
-            </a:r>
-            <a:r>
-              <a:rPr lang="en-US" altLang="nl-NL" sz="2400" dirty="0" smtClean="0">
-                <a:latin typeface="+mn-lt"/>
-              </a:rPr>
-              <a:t>  </a:t>
-            </a:r>
-            <a:r>
-              <a:rPr lang="en-US" altLang="nl-NL" sz="2400" b="1" dirty="0" err="1" smtClean="0">
-                <a:latin typeface="+mn-lt"/>
-              </a:rPr>
-              <a:t>git</a:t>
-            </a:r>
-            <a:r>
-              <a:rPr lang="en-US" altLang="nl-NL" sz="2400" b="1" dirty="0" smtClean="0">
-                <a:latin typeface="+mn-lt"/>
-              </a:rPr>
-              <a:t> clone https://github.com/petereijgermans11/hackjam-angular</a:t>
-            </a:r>
-            <a:endParaRPr lang="en-US" altLang="nl-NL" sz="2400" b="1" dirty="0">
-              <a:latin typeface="+mn-lt"/>
-            </a:endParaRPr>
+              <a:rPr lang="en-US" altLang="nl-NL" sz="2400" dirty="0"/>
+              <a:t>Install Angular CLI:</a:t>
+            </a:r>
+            <a:r>
+              <a:rPr lang="en-US" altLang="nl-NL" sz="2400" b="1" dirty="0">
+                <a:solidFill>
+                  <a:srgbClr val="C00000"/>
+                </a:solidFill>
+              </a:rPr>
+              <a:t>   </a:t>
+            </a:r>
+            <a:r>
+              <a:rPr lang="en-US" altLang="nl-NL" sz="2400" b="1" dirty="0" err="1">
+                <a:solidFill>
+                  <a:srgbClr val="C00000"/>
+                </a:solidFill>
+              </a:rPr>
+              <a:t>npm</a:t>
+            </a:r>
+            <a:r>
+              <a:rPr lang="en-US" altLang="nl-NL" sz="2400" b="1" dirty="0">
+                <a:solidFill>
+                  <a:srgbClr val="C00000"/>
+                </a:solidFill>
+              </a:rPr>
+              <a:t> </a:t>
+            </a:r>
+            <a:r>
+              <a:rPr lang="en-US" altLang="nl-NL" sz="2400" b="1" dirty="0" err="1">
+                <a:solidFill>
+                  <a:srgbClr val="C00000"/>
+                </a:solidFill>
+              </a:rPr>
+              <a:t>i</a:t>
+            </a:r>
+            <a:r>
+              <a:rPr lang="en-US" altLang="nl-NL" sz="2400" b="1" dirty="0">
+                <a:solidFill>
+                  <a:srgbClr val="C00000"/>
+                </a:solidFill>
+              </a:rPr>
+              <a:t> </a:t>
+            </a:r>
+            <a:r>
+              <a:rPr lang="en-US" altLang="nl-NL" sz="2400" b="1" dirty="0" err="1">
+                <a:solidFill>
+                  <a:srgbClr val="C00000"/>
+                </a:solidFill>
+              </a:rPr>
+              <a:t>angular-cli@latest</a:t>
+            </a:r>
+            <a:r>
+              <a:rPr lang="en-US" altLang="nl-NL" sz="2400" b="1" dirty="0">
+                <a:solidFill>
+                  <a:srgbClr val="C00000"/>
+                </a:solidFill>
+              </a:rPr>
+              <a:t>  -g</a:t>
+            </a:r>
           </a:p>
           <a:p>
             <a:pPr marL="0" lvl="0" indent="0">
@@ -20521,9 +20565,10 @@
               </a:lnSpc>
               <a:buNone/>
             </a:pPr>
-            <a:endParaRPr lang="en-US" altLang="nl-NL" sz="2400" b="1" dirty="0">
-              <a:latin typeface="+mn-lt"/>
-            </a:endParaRPr>
+            <a:r>
+              <a:rPr lang="en-US" altLang="nl-NL" sz="2400" dirty="0"/>
+              <a:t>    </a:t>
+            </a:r>
           </a:p>
           <a:p>
             <a:pPr marL="0" lvl="0" indent="0">
@@ -20533,79 +20578,24 @@
               <a:buNone/>
             </a:pPr>
             <a:r>
-              <a:rPr lang="en-US" altLang="nl-NL" sz="2400" dirty="0">
-                <a:latin typeface="+mn-lt"/>
-              </a:rPr>
-              <a:t>Install Angular CLI: </a:t>
-            </a:r>
-            <a:r>
-              <a:rPr lang="en-US" altLang="nl-NL" sz="2400" dirty="0" smtClean="0">
-                <a:latin typeface="+mn-lt"/>
-              </a:rPr>
-              <a:t>  </a:t>
-            </a:r>
-            <a:r>
-              <a:rPr lang="en-US" altLang="nl-NL" sz="2400" b="1" dirty="0" smtClean="0">
-                <a:solidFill>
-                  <a:srgbClr val="C00000"/>
-                </a:solidFill>
-                <a:latin typeface="+mn-lt"/>
-              </a:rPr>
-              <a:t>angular-cli: </a:t>
-            </a:r>
-            <a:r>
-              <a:rPr lang="en-US" altLang="nl-NL" sz="2400" b="1" dirty="0" err="1" smtClean="0">
-                <a:solidFill>
-                  <a:srgbClr val="C00000"/>
-                </a:solidFill>
-                <a:latin typeface="+mn-lt"/>
+              <a:rPr lang="en-US" altLang="nl-NL" sz="2400" dirty="0"/>
+              <a:t>Bootstrap your application:   cd  getting-started  </a:t>
+            </a:r>
+            <a:r>
+              <a:rPr lang="en-US" altLang="nl-NL" sz="2400" b="1" dirty="0" err="1">
+                <a:solidFill>
+                  <a:srgbClr val="FF0000"/>
+                </a:solidFill>
               </a:rPr>
               <a:t>npm</a:t>
             </a:r>
             <a:r>
-              <a:rPr lang="en-US" altLang="nl-NL" sz="2400" b="1" dirty="0" smtClean="0">
-                <a:solidFill>
-                  <a:srgbClr val="C00000"/>
-                </a:solidFill>
-                <a:latin typeface="+mn-lt"/>
-              </a:rPr>
-              <a:t> </a:t>
-            </a:r>
-            <a:r>
-              <a:rPr lang="en-US" altLang="nl-NL" sz="2400" b="1" dirty="0" err="1">
-                <a:solidFill>
-                  <a:srgbClr val="C00000"/>
-                </a:solidFill>
-                <a:latin typeface="+mn-lt"/>
-              </a:rPr>
-              <a:t>i</a:t>
-            </a:r>
-            <a:r>
               <a:rPr lang="en-US" altLang="nl-NL" sz="2400" b="1" dirty="0">
                 <a:solidFill>
-                  <a:srgbClr val="C00000"/>
-                </a:solidFill>
-                <a:latin typeface="+mn-lt"/>
-              </a:rPr>
-              <a:t> </a:t>
-            </a:r>
-            <a:r>
-              <a:rPr lang="en-US" altLang="nl-NL" sz="2400" b="1" dirty="0" err="1">
-                <a:solidFill>
-                  <a:srgbClr val="C00000"/>
-                </a:solidFill>
-                <a:latin typeface="+mn-lt"/>
-              </a:rPr>
-              <a:t>angular-cli@latest</a:t>
-            </a:r>
-            <a:r>
-              <a:rPr lang="en-US" altLang="nl-NL" sz="2400" b="1" dirty="0">
-                <a:solidFill>
-                  <a:srgbClr val="C00000"/>
-                </a:solidFill>
-                <a:latin typeface="+mn-lt"/>
-              </a:rPr>
-              <a:t> -g</a:t>
+                  <a:srgbClr val="FF0000"/>
+                </a:solidFill>
+              </a:rPr>
+              <a:t> start</a:t>
             </a:r>
           </a:p>
           <a:p>
@@ -20615,12 +20605,7 @@
               </a:lnSpc>
               <a:buNone/>
             </a:pPr>
-            <a:r>
-              <a:rPr lang="en-US" altLang="nl-NL" sz="2400" dirty="0">
-                <a:latin typeface="+mn-lt"/>
-              </a:rPr>
-              <a:t>    </a:t>
-            </a:r>
+            <a:endParaRPr lang="en-US" altLang="nl-NL" sz="2400" dirty="0"/>
           </a:p>
           <a:p>
             <a:pPr marL="0" lvl="0" indent="0">
@@ -20629,45 +20614,7 @@
               </a:lnSpc>
               <a:buNone/>
             </a:pPr>
-            <a:r>
-              <a:rPr lang="en-US" altLang="nl-NL" sz="2400" dirty="0">
-                <a:latin typeface="+mn-lt"/>
-              </a:rPr>
-              <a:t>Bootstrap your application: </a:t>
-            </a:r>
-            <a:r>
-              <a:rPr lang="en-US" altLang="nl-NL" sz="2400" dirty="0" smtClean="0">
-                <a:latin typeface="+mn-lt"/>
-              </a:rPr>
-              <a:t>  </a:t>
-            </a:r>
-            <a:r>
-              <a:rPr lang="en-US" altLang="nl-NL" sz="2400" b="1" dirty="0" err="1" smtClean="0">
-                <a:solidFill>
-                  <a:srgbClr val="FF0000"/>
-                </a:solidFill>
-                <a:latin typeface="+mn-lt"/>
-              </a:rPr>
-              <a:t>npm</a:t>
-            </a:r>
-            <a:r>
-              <a:rPr lang="en-US" altLang="nl-NL" sz="2400" b="1" dirty="0" smtClean="0">
-                <a:solidFill>
-                  <a:srgbClr val="FF0000"/>
-                </a:solidFill>
-                <a:latin typeface="+mn-lt"/>
-              </a:rPr>
-              <a:t> </a:t>
-            </a:r>
-            <a:r>
-              <a:rPr lang="en-US" altLang="nl-NL" sz="2400" b="1" dirty="0">
-                <a:solidFill>
-                  <a:srgbClr val="FF0000"/>
-                </a:solidFill>
-                <a:latin typeface="+mn-lt"/>
-              </a:rPr>
-              <a:t>start</a:t>
-            </a:r>
+            <a:endParaRPr lang="en-US" altLang="nl-NL" sz="2400" dirty="0"/>
           </a:p>
           <a:p>
             <a:pPr marL="0" lvl="0" indent="0">
@@ -20676,9 +20623,7 @@
               </a:lnSpc>
               <a:buNone/>
             </a:pPr>
-            <a:endParaRPr lang="en-US" altLang="nl-NL" sz="2400" dirty="0">
-              <a:latin typeface="+mn-lt"/>
-            </a:endParaRPr>
+            <a:endParaRPr lang="en-US" altLang="nl-NL" sz="2400" dirty="0"/>
           </a:p>
           <a:p>
             <a:pPr marL="0" lvl="0" indent="0">
@@ -20688,9 +20633,7 @@
               <a:buNone/>
             </a:pPr>
             <a:r>
-              <a:rPr lang="en-US" altLang="nl-NL" sz="2400" dirty="0">
-                <a:latin typeface="+mn-lt"/>
-              </a:rPr>
+              <a:rPr lang="en-US" altLang="nl-NL" sz="2400" dirty="0"/>
               <a:t>!oops</a:t>
             </a:r>
           </a:p>
@@ -20701,9 +20644,7 @@
               </a:lnSpc>
               <a:buNone/>
             </a:pPr>
-            <a:endParaRPr lang="en-US" altLang="nl-NL" sz="2400" dirty="0">
-              <a:latin typeface="+mn-lt"/>
-            </a:endParaRPr>
+            <a:endParaRPr lang="en-US" altLang="nl-NL" sz="2400" dirty="0"/>
           </a:p>
           <a:p>
             <a:pPr marL="0" lvl="0" indent="0">
@@ -20713,21 +20654,10 @@
               <a:buNone/>
             </a:pPr>
             <a:r>
-              <a:rPr lang="en-US" altLang="nl-NL" sz="2400" dirty="0">
-                <a:latin typeface="+mn-lt"/>
-              </a:rPr>
+              <a:rPr lang="en-US" altLang="nl-NL" sz="2400" dirty="0"/>
               <a:t>This application doesn't work :(</a:t>
             </a:r>
-            <a:endParaRPr kumimoji="0" lang="nl-NL" altLang="nl-NL" sz="2400" b="0" i="0" u="none" strike="noStrike" cap="none" normalizeH="0" baseline="0" dirty="0" smtClean="0">
-              <a:ln>
-                <a:noFill/>
-              </a:ln>
-              <a:solidFill>
-                <a:schemeClr val="tx1"/>
-              </a:solidFill>
-              <a:effectLst/>
-              <a:latin typeface="+mn-lt"/>
-            </a:endParaRPr>
+            <a:endParaRPr lang="nl-NL" altLang="nl-NL" sz="2400" dirty="0"/>
           </a:p>
         </p:txBody>
       </p:sp>
@@ -20785,14 +20715,14 @@
           <a:p>
             <a:pPr algn="ctr"/>
             <a:r>
-              <a:rPr lang="nl-NL" b="1" dirty="0" smtClean="0">
+              <a:rPr lang="nl-NL" dirty="0" smtClean="0">
                 <a:solidFill>
                   <a:srgbClr val="FFC000"/>
                 </a:solidFill>
               </a:rPr>
-              <a:t>Links</a:t>
-            </a:r>
-            <a:endParaRPr lang="nl-NL" b="1" dirty="0">
+              <a:t>Solution</a:t>
+            </a:r>
+            <a:endParaRPr lang="nl-NL" dirty="0">
               <a:solidFill>
                 <a:srgbClr val="FFC000"/>
               </a:solidFill>
@@ -20813,9 +20743,20 @@
         <p:spPr/>
         <p:txBody>
           <a:bodyPr>
-            <a:normAutofit fontScale="92500" lnSpcReduction="20000"/>
+            <a:normAutofit/>
           </a:bodyPr>
           <a:lstStyle/>
+          <a:p>
+            <a:pPr marL="0" indent="0" algn="ctr">
+              <a:buNone/>
+            </a:pPr>
+            <a:endParaRPr lang="nl-NL" sz="6000" dirty="0" smtClean="0">
+              <a:solidFill>
+                <a:srgbClr val="FF0000"/>
+              </a:solidFill>
+              <a:hlinkClick r:id="rId2"/>
+            </a:endParaRPr>
+          </a:p>
           <a:p>
             <a:pPr marL="0" indent="0" algn="ctr">
               <a:buNone/>
@@ -20868,66 +20809,18 @@
               <a:buNone/>
             </a:pPr>
             <a:r>
-              <a:rPr lang="nl-NL" sz="6000" dirty="0">
+              <a:rPr lang="nl-NL" sz="6600" b="1" dirty="0" smtClean="0">
                 <a:solidFill>
                   <a:srgbClr val="FF0000"/>
                 </a:solidFill>
-                <a:hlinkClick r:id="rId3"/>
-              </a:rPr>
-              <a:t>https://</a:t>
-            </a:r>
-            <a:r>
-              <a:rPr lang="nl-NL" sz="6000" dirty="0" smtClean="0">
-                <a:solidFill>
-                  <a:srgbClr val="FF0000"/>
-                </a:solidFill>
-                <a:hlinkClick r:id="rId3"/>
-              </a:rPr>
-              <a:t>angular.io/docs/ts/latest/guide/</a:t>
-            </a:r>
-            <a:r>
-              <a:rPr lang="nl-NL" sz="6000" dirty="0" smtClean="0">
-                <a:hlinkClick r:id="rId3"/>
-              </a:rPr>
-              <a:t>cheatsheet</a:t>
-            </a:r>
-            <a:r>
-              <a:rPr lang="nl-NL" sz="6000" dirty="0" smtClean="0">
-                <a:solidFill>
-                  <a:srgbClr val="FF0000"/>
-                </a:solidFill>
-                <a:hlinkClick r:id="rId3"/>
-              </a:rPr>
-              <a:t>.html</a:t>
-            </a:r>
-            <a:endParaRPr lang="nl-NL" sz="6000" dirty="0" smtClean="0">
+              </a:rPr>
+              <a:t>Guide_hackjam.docx</a:t>
+            </a:r>
+            <a:endParaRPr lang="nl-NL" sz="6600" b="1" dirty="0" smtClean="0">
               <a:solidFill>
                 <a:srgbClr val="FF0000"/>
               </a:solidFill>
             </a:endParaRPr>
-          </a:p>
-          <a:p>
-            <a:pPr marL="0" indent="0" algn="ctr">
-              <a:buNone/>
-            </a:pPr>
-            <a:endParaRPr lang="nl-NL" sz="6000" dirty="0" smtClean="0">
-              <a:solidFill>
-                <a:srgbClr val="FF0000"/>
-              </a:solidFill>
-            </a:endParaRPr>
-          </a:p>
-          <a:p>
-            <a:pPr marL="0" indent="0" algn="ctr">
-              <a:buNone/>
-            </a:pPr>
-            <a:r>
-              <a:rPr lang="nl-NL" sz="6000" dirty="0" smtClean="0">
-                <a:solidFill>
-                  <a:srgbClr val="FF0000"/>
-                </a:solidFill>
-              </a:rPr>
-              <a:t>Guide_hackjam.docx</a:t>
-            </a:r>
           </a:p>
           <a:p>
             <a:pPr marL="0" indent="0" algn="ctr">
